--- a/Day 9 & 10/2. JSPs/Slides/2. JSP Fundamentals/2-java-ee-java-server-pages-m2-slides.pptx
+++ b/Day 9 & 10/2. JSPs/Slides/2. JSP Fundamentals/2-java-ee-java-server-pages-m2-slides.pptx
@@ -5,27 +5,27 @@
     <p:sldMasterId id="2147483648" r:id="rId1"/>
   </p:sldMasterIdLst>
   <p:notesMasterIdLst>
-    <p:notesMasterId r:id="rId21"/>
+    <p:notesMasterId r:id="rId20"/>
   </p:notesMasterIdLst>
   <p:sldIdLst>
-    <p:sldId id="256" r:id="rId3"/>
-    <p:sldId id="257" r:id="rId4"/>
-    <p:sldId id="258" r:id="rId5"/>
-    <p:sldId id="259" r:id="rId6"/>
-    <p:sldId id="260" r:id="rId7"/>
-    <p:sldId id="261" r:id="rId8"/>
-    <p:sldId id="262" r:id="rId9"/>
-    <p:sldId id="263" r:id="rId10"/>
-    <p:sldId id="264" r:id="rId11"/>
-    <p:sldId id="265" r:id="rId12"/>
-    <p:sldId id="266" r:id="rId13"/>
-    <p:sldId id="267" r:id="rId14"/>
-    <p:sldId id="268" r:id="rId15"/>
-    <p:sldId id="269" r:id="rId16"/>
-    <p:sldId id="270" r:id="rId17"/>
-    <p:sldId id="271" r:id="rId18"/>
-    <p:sldId id="272" r:id="rId19"/>
-    <p:sldId id="273" r:id="rId20"/>
+    <p:sldId id="256" r:id="rId2"/>
+    <p:sldId id="257" r:id="rId3"/>
+    <p:sldId id="258" r:id="rId4"/>
+    <p:sldId id="259" r:id="rId5"/>
+    <p:sldId id="260" r:id="rId6"/>
+    <p:sldId id="261" r:id="rId7"/>
+    <p:sldId id="262" r:id="rId8"/>
+    <p:sldId id="263" r:id="rId9"/>
+    <p:sldId id="264" r:id="rId10"/>
+    <p:sldId id="265" r:id="rId11"/>
+    <p:sldId id="266" r:id="rId12"/>
+    <p:sldId id="267" r:id="rId13"/>
+    <p:sldId id="268" r:id="rId14"/>
+    <p:sldId id="269" r:id="rId15"/>
+    <p:sldId id="270" r:id="rId16"/>
+    <p:sldId id="271" r:id="rId17"/>
+    <p:sldId id="272" r:id="rId18"/>
+    <p:sldId id="273" r:id="rId19"/>
   </p:sldIdLst>
   <p:sldSz cx="12192000" cy="6858000"/>
   <p:notesSz cx="12192000" cy="6858000"/>
@@ -121,6 +121,22 @@
       </a:defRPr>
     </a:lvl9pPr>
   </p:defaultTextStyle>
+  <p:extLst>
+    <p:ext uri="{EFAFB233-063F-42B5-8137-9DF3F51BA10A}">
+      <p15:sldGuideLst xmlns:p15="http://schemas.microsoft.com/office/powerpoint/2012/main">
+        <p15:guide id="1" orient="horz" pos="2880">
+          <p15:clr>
+            <a:srgbClr val="A4A3A4"/>
+          </p15:clr>
+        </p15:guide>
+        <p15:guide id="2" pos="2160">
+          <p15:clr>
+            <a:srgbClr val="A4A3A4"/>
+          </p15:clr>
+        </p15:guide>
+      </p15:sldGuideLst>
+    </p:ext>
+  </p:extLst>
 </p:presentation>
 </file>
 
@@ -206,6 +222,7 @@
           <a:p>
             <a:fld id="{3EFD42F7-718C-4B98-AAEC-167E6DDD60A7}" type="datetimeFigureOut">
               <a:rPr lang="en-US" smtClean="0"/>
+              <a:t>8/18/2023</a:t>
             </a:fld>
             <a:endParaRPr lang="en-US"/>
           </a:p>
@@ -269,42 +286,37 @@
           <a:p>
             <a:pPr lvl="0"/>
             <a:r>
-              <a:rPr lang="en-US" smtClean="0"/>
+              <a:rPr lang="en-US"/>
               <a:t>Click to edit Master text styles</a:t>
             </a:r>
-            <a:endParaRPr lang="en-US" smtClean="0"/>
           </a:p>
           <a:p>
             <a:pPr lvl="1"/>
             <a:r>
-              <a:rPr lang="en-US" smtClean="0"/>
+              <a:rPr lang="en-US"/>
               <a:t>Second level</a:t>
             </a:r>
-            <a:endParaRPr lang="en-US" smtClean="0"/>
           </a:p>
           <a:p>
             <a:pPr lvl="2"/>
             <a:r>
-              <a:rPr lang="en-US" smtClean="0"/>
+              <a:rPr lang="en-US"/>
               <a:t>Third level</a:t>
             </a:r>
-            <a:endParaRPr lang="en-US" smtClean="0"/>
           </a:p>
           <a:p>
             <a:pPr lvl="3"/>
             <a:r>
-              <a:rPr lang="en-US" smtClean="0"/>
+              <a:rPr lang="en-US"/>
               <a:t>Fourth level</a:t>
             </a:r>
-            <a:endParaRPr lang="en-US" smtClean="0"/>
           </a:p>
           <a:p>
             <a:pPr lvl="4"/>
             <a:r>
-              <a:rPr lang="en-US" smtClean="0"/>
+              <a:rPr lang="en-US"/>
               <a:t>Fifth level</a:t>
             </a:r>
-            <a:endParaRPr lang="en-US"/>
           </a:p>
         </p:txBody>
       </p:sp>
@@ -368,6 +380,7 @@
           <a:p>
             <a:fld id="{21B2AA4F-B828-4D7C-AFD3-893933DAFCB4}" type="slidenum">
               <a:rPr lang="en-US" smtClean="0"/>
+              <a:t>‹#›</a:t>
             </a:fld>
             <a:endParaRPr lang="en-US"/>
           </a:p>
@@ -520,7 +533,9 @@
               </a:defRPr>
             </a:lvl1pPr>
           </a:lstStyle>
-          <a:p/>
+          <a:p>
+            <a:endParaRPr/>
+          </a:p>
         </p:txBody>
       </p:sp>
       <p:sp>
@@ -551,7 +566,9 @@
               <a:defRPr/>
             </a:lvl1pPr>
           </a:lstStyle>
-          <a:p/>
+          <a:p>
+            <a:endParaRPr/>
+          </a:p>
         </p:txBody>
       </p:sp>
       <p:sp>
@@ -578,7 +595,9 @@
               </a:defRPr>
             </a:lvl1pPr>
           </a:lstStyle>
-          <a:p/>
+          <a:p>
+            <a:endParaRPr/>
+          </a:p>
         </p:txBody>
       </p:sp>
       <p:sp>
@@ -608,6 +627,7 @@
           <a:p>
             <a:fld id="{1D8BD707-D9CF-40AE-B4C6-C98DA3205C09}" type="datetimeFigureOut">
               <a:rPr lang="en-US"/>
+              <a:t>8/18/2023</a:t>
             </a:fld>
             <a:endParaRPr lang="en-US"/>
           </a:p>
@@ -640,6 +660,7 @@
           <a:p>
             <a:fld id="{B6F15528-21DE-4FAA-801E-634DDDAF4B2B}" type="slidenum">
               <a:rPr/>
+              <a:t>‹#›</a:t>
             </a:fld>
             <a:endParaRPr/>
           </a:p>
@@ -655,7 +676,7 @@
 </file>
 
 <file path=ppt/slideLayouts/slideLayout2.xml><?xml version="1.0" encoding="utf-8"?>
-<p:sldLayout xmlns:a="http://schemas.openxmlformats.org/drawingml/2006/main" xmlns:r="http://schemas.openxmlformats.org/officeDocument/2006/relationships" xmlns:p="http://schemas.openxmlformats.org/presentationml/2006/main" type="obj" preserve="1" showMasterSp="0">
+<p:sldLayout xmlns:a="http://schemas.openxmlformats.org/drawingml/2006/main" xmlns:r="http://schemas.openxmlformats.org/officeDocument/2006/relationships" xmlns:p="http://schemas.openxmlformats.org/presentationml/2006/main" showMasterSp="0" type="obj" preserve="1">
   <p:cSld name="Title and Content">
     <p:bg>
       <p:bgPr>
@@ -724,7 +745,9 @@
         <p:txBody>
           <a:bodyPr wrap="square" lIns="0" tIns="0" rIns="0" bIns="0" rtlCol="0"/>
           <a:lstStyle/>
-          <a:p/>
+          <a:p>
+            <a:endParaRPr/>
+          </a:p>
         </p:txBody>
       </p:sp>
       <p:sp>
@@ -751,7 +774,9 @@
               </a:defRPr>
             </a:lvl1pPr>
           </a:lstStyle>
-          <a:p/>
+          <a:p>
+            <a:endParaRPr/>
+          </a:p>
         </p:txBody>
       </p:sp>
       <p:sp>
@@ -776,7 +801,9 @@
               </a:defRPr>
             </a:lvl1pPr>
           </a:lstStyle>
-          <a:p/>
+          <a:p>
+            <a:endParaRPr/>
+          </a:p>
         </p:txBody>
       </p:sp>
       <p:sp>
@@ -803,7 +830,9 @@
               </a:defRPr>
             </a:lvl1pPr>
           </a:lstStyle>
-          <a:p/>
+          <a:p>
+            <a:endParaRPr/>
+          </a:p>
         </p:txBody>
       </p:sp>
       <p:sp>
@@ -833,6 +862,7 @@
           <a:p>
             <a:fld id="{1D8BD707-D9CF-40AE-B4C6-C98DA3205C09}" type="datetimeFigureOut">
               <a:rPr lang="en-US"/>
+              <a:t>8/18/2023</a:t>
             </a:fld>
             <a:endParaRPr lang="en-US"/>
           </a:p>
@@ -865,6 +895,7 @@
           <a:p>
             <a:fld id="{B6F15528-21DE-4FAA-801E-634DDDAF4B2B}" type="slidenum">
               <a:rPr/>
+              <a:t>‹#›</a:t>
             </a:fld>
             <a:endParaRPr/>
           </a:p>
@@ -880,7 +911,7 @@
 </file>
 
 <file path=ppt/slideLayouts/slideLayout3.xml><?xml version="1.0" encoding="utf-8"?>
-<p:sldLayout xmlns:a="http://schemas.openxmlformats.org/drawingml/2006/main" xmlns:r="http://schemas.openxmlformats.org/officeDocument/2006/relationships" xmlns:p="http://schemas.openxmlformats.org/presentationml/2006/main" type="obj" preserve="1" showMasterSp="0">
+<p:sldLayout xmlns:a="http://schemas.openxmlformats.org/drawingml/2006/main" xmlns:r="http://schemas.openxmlformats.org/officeDocument/2006/relationships" xmlns:p="http://schemas.openxmlformats.org/presentationml/2006/main" showMasterSp="0" type="obj" preserve="1">
   <p:cSld name="Two Content">
     <p:bg>
       <p:bgPr>
@@ -949,7 +980,9 @@
         <p:txBody>
           <a:bodyPr wrap="square" lIns="0" tIns="0" rIns="0" bIns="0" rtlCol="0"/>
           <a:lstStyle/>
-          <a:p/>
+          <a:p>
+            <a:endParaRPr/>
+          </a:p>
         </p:txBody>
       </p:sp>
       <p:sp>
@@ -976,7 +1009,9 @@
               </a:defRPr>
             </a:lvl1pPr>
           </a:lstStyle>
-          <a:p/>
+          <a:p>
+            <a:endParaRPr/>
+          </a:p>
         </p:txBody>
       </p:sp>
       <p:sp>
@@ -1013,7 +1048,9 @@
               </a:defRPr>
             </a:lvl1pPr>
           </a:lstStyle>
-          <a:p/>
+          <a:p>
+            <a:endParaRPr/>
+          </a:p>
         </p:txBody>
       </p:sp>
       <p:sp>
@@ -1044,7 +1081,9 @@
               <a:defRPr/>
             </a:lvl1pPr>
           </a:lstStyle>
-          <a:p/>
+          <a:p>
+            <a:endParaRPr/>
+          </a:p>
         </p:txBody>
       </p:sp>
       <p:sp>
@@ -1071,7 +1110,9 @@
               </a:defRPr>
             </a:lvl1pPr>
           </a:lstStyle>
-          <a:p/>
+          <a:p>
+            <a:endParaRPr/>
+          </a:p>
         </p:txBody>
       </p:sp>
       <p:sp>
@@ -1101,6 +1142,7 @@
           <a:p>
             <a:fld id="{1D8BD707-D9CF-40AE-B4C6-C98DA3205C09}" type="datetimeFigureOut">
               <a:rPr lang="en-US"/>
+              <a:t>8/18/2023</a:t>
             </a:fld>
             <a:endParaRPr lang="en-US"/>
           </a:p>
@@ -1133,6 +1175,7 @@
           <a:p>
             <a:fld id="{B6F15528-21DE-4FAA-801E-634DDDAF4B2B}" type="slidenum">
               <a:rPr/>
+              <a:t>‹#›</a:t>
             </a:fld>
             <a:endParaRPr/>
           </a:p>
@@ -1188,7 +1231,9 @@
               </a:defRPr>
             </a:lvl1pPr>
           </a:lstStyle>
-          <a:p/>
+          <a:p>
+            <a:endParaRPr/>
+          </a:p>
         </p:txBody>
       </p:sp>
       <p:sp>
@@ -1215,7 +1260,9 @@
               </a:defRPr>
             </a:lvl1pPr>
           </a:lstStyle>
-          <a:p/>
+          <a:p>
+            <a:endParaRPr/>
+          </a:p>
         </p:txBody>
       </p:sp>
       <p:sp>
@@ -1245,6 +1292,7 @@
           <a:p>
             <a:fld id="{1D8BD707-D9CF-40AE-B4C6-C98DA3205C09}" type="datetimeFigureOut">
               <a:rPr lang="en-US"/>
+              <a:t>8/18/2023</a:t>
             </a:fld>
             <a:endParaRPr lang="en-US"/>
           </a:p>
@@ -1277,6 +1325,7 @@
           <a:p>
             <a:fld id="{B6F15528-21DE-4FAA-801E-634DDDAF4B2B}" type="slidenum">
               <a:rPr/>
+              <a:t>‹#›</a:t>
             </a:fld>
             <a:endParaRPr/>
           </a:p>
@@ -1292,7 +1341,7 @@
 </file>
 
 <file path=ppt/slideLayouts/slideLayout5.xml><?xml version="1.0" encoding="utf-8"?>
-<p:sldLayout xmlns:a="http://schemas.openxmlformats.org/drawingml/2006/main" xmlns:r="http://schemas.openxmlformats.org/officeDocument/2006/relationships" xmlns:p="http://schemas.openxmlformats.org/presentationml/2006/main" type="obj" preserve="1" showMasterSp="0">
+<p:sldLayout xmlns:a="http://schemas.openxmlformats.org/drawingml/2006/main" xmlns:r="http://schemas.openxmlformats.org/officeDocument/2006/relationships" xmlns:p="http://schemas.openxmlformats.org/presentationml/2006/main" showMasterSp="0" type="obj" preserve="1">
   <p:cSld name="Blank">
     <p:bg>
       <p:bgPr>
@@ -1361,7 +1410,9 @@
         <p:txBody>
           <a:bodyPr wrap="square" lIns="0" tIns="0" rIns="0" bIns="0" rtlCol="0"/>
           <a:lstStyle/>
-          <a:p/>
+          <a:p>
+            <a:endParaRPr/>
+          </a:p>
         </p:txBody>
       </p:sp>
       <p:sp>
@@ -1388,7 +1439,9 @@
               </a:defRPr>
             </a:lvl1pPr>
           </a:lstStyle>
-          <a:p/>
+          <a:p>
+            <a:endParaRPr/>
+          </a:p>
         </p:txBody>
       </p:sp>
       <p:sp>
@@ -1418,6 +1471,7 @@
           <a:p>
             <a:fld id="{1D8BD707-D9CF-40AE-B4C6-C98DA3205C09}" type="datetimeFigureOut">
               <a:rPr lang="en-US"/>
+              <a:t>8/18/2023</a:t>
             </a:fld>
             <a:endParaRPr lang="en-US"/>
           </a:p>
@@ -1450,6 +1504,7 @@
           <a:p>
             <a:fld id="{B6F15528-21DE-4FAA-801E-634DDDAF4B2B}" type="slidenum">
               <a:rPr/>
+              <a:t>‹#›</a:t>
             </a:fld>
             <a:endParaRPr/>
           </a:p>
@@ -1523,7 +1578,9 @@
               </a:defRPr>
             </a:lvl1pPr>
           </a:lstStyle>
-          <a:p/>
+          <a:p>
+            <a:endParaRPr/>
+          </a:p>
         </p:txBody>
       </p:sp>
       <p:sp>
@@ -1558,7 +1615,9 @@
               </a:defRPr>
             </a:lvl1pPr>
           </a:lstStyle>
-          <a:p/>
+          <a:p>
+            <a:endParaRPr/>
+          </a:p>
         </p:txBody>
       </p:sp>
       <p:sp>
@@ -1595,7 +1654,9 @@
               </a:defRPr>
             </a:lvl1pPr>
           </a:lstStyle>
-          <a:p/>
+          <a:p>
+            <a:endParaRPr/>
+          </a:p>
         </p:txBody>
       </p:sp>
       <p:sp>
@@ -1635,6 +1696,7 @@
           <a:p>
             <a:fld id="{1D8BD707-D9CF-40AE-B4C6-C98DA3205C09}" type="datetimeFigureOut">
               <a:rPr lang="en-US"/>
+              <a:t>8/18/2023</a:t>
             </a:fld>
             <a:endParaRPr lang="en-US"/>
           </a:p>
@@ -1677,6 +1739,7 @@
           <a:p>
             <a:fld id="{B6F15528-21DE-4FAA-801E-634DDDAF4B2B}" type="slidenum">
               <a:rPr/>
+              <a:t>‹#›</a:t>
             </a:fld>
             <a:endParaRPr/>
           </a:p>
@@ -1861,7 +1924,7 @@
           <p:nvPr/>
         </p:nvPicPr>
         <p:blipFill>
-          <a:blip r:embed="rId1" cstate="print"/>
+          <a:blip r:embed="rId2" cstate="print"/>
           <a:stretch>
             <a:fillRect/>
           </a:stretch>
@@ -2025,11 +2088,6 @@
               </a:rPr>
               <a:t>s</a:t>
             </a:r>
-            <a:endParaRPr spc="-85" dirty="0">
-              <a:solidFill>
-                <a:srgbClr val="101010"/>
-              </a:solidFill>
-            </a:endParaRPr>
           </a:p>
         </p:txBody>
       </p:sp>
@@ -2046,9 +2104,11 @@
         <p:spPr/>
         <p:txBody>
           <a:bodyPr/>
+          <a:lstStyle/>
           <a:p>
             <a:fld id="{B6F15528-21DE-4FAA-801E-634DDDAF4B2B}" type="slidenum">
               <a:rPr/>
+              <a:t>1</a:t>
             </a:fld>
             <a:endParaRPr/>
           </a:p>
@@ -2086,7 +2146,7 @@
           <p:nvPr/>
         </p:nvPicPr>
         <p:blipFill>
-          <a:blip r:embed="rId1" cstate="print"/>
+          <a:blip r:embed="rId2" cstate="print"/>
           <a:stretch>
             <a:fillRect/>
           </a:stretch>
@@ -2176,17 +2236,12 @@
             </a:r>
             <a:r>
               <a:rPr spc="-459" dirty="0"/>
-              <a:t> </a:t>
-            </a:r>
-            <a:r>
-              <a:rPr spc="-459" dirty="0"/>
-              <a:t>T</a:t>
+              <a:t> T</a:t>
             </a:r>
             <a:r>
               <a:rPr spc="-75" dirty="0"/>
               <a:t>ag</a:t>
             </a:r>
-            <a:endParaRPr spc="-75" dirty="0"/>
           </a:p>
         </p:txBody>
       </p:sp>
@@ -2203,9 +2258,11 @@
         <p:spPr/>
         <p:txBody>
           <a:bodyPr/>
+          <a:lstStyle/>
           <a:p>
             <a:fld id="{B6F15528-21DE-4FAA-801E-634DDDAF4B2B}" type="slidenum">
               <a:rPr/>
+              <a:t>10</a:t>
             </a:fld>
             <a:endParaRPr/>
           </a:p>
@@ -3014,7 +3071,17 @@
                 <a:latin typeface="Verdana" panose="020B0604030504040204"/>
                 <a:cs typeface="Verdana" panose="020B0604030504040204"/>
               </a:rPr>
-              <a:t>s</a:t>
+              <a:t>sa</a:t>
+            </a:r>
+            <a:r>
+              <a:rPr sz="2400" spc="-30" dirty="0">
+                <a:solidFill>
+                  <a:srgbClr val="F05A28"/>
+                </a:solidFill>
+                <a:latin typeface="Verdana" panose="020B0604030504040204"/>
+                <a:cs typeface="Verdana" panose="020B0604030504040204"/>
+              </a:rPr>
+              <a:t>l</a:t>
             </a:r>
             <a:r>
               <a:rPr sz="2400" spc="-55" dirty="0">
@@ -3024,37 +3091,7 @@
                 <a:latin typeface="Verdana" panose="020B0604030504040204"/>
                 <a:cs typeface="Verdana" panose="020B0604030504040204"/>
               </a:rPr>
-              <a:t>a</a:t>
-            </a:r>
-            <a:r>
-              <a:rPr sz="2400" spc="-30" dirty="0">
-                <a:solidFill>
-                  <a:srgbClr val="F05A28"/>
-                </a:solidFill>
-                <a:latin typeface="Verdana" panose="020B0604030504040204"/>
-                <a:cs typeface="Verdana" panose="020B0604030504040204"/>
-              </a:rPr>
-              <a:t>l</a:t>
-            </a:r>
-            <a:r>
-              <a:rPr sz="2400" spc="-55" dirty="0">
-                <a:solidFill>
-                  <a:srgbClr val="F05A28"/>
-                </a:solidFill>
-                <a:latin typeface="Verdana" panose="020B0604030504040204"/>
-                <a:cs typeface="Verdana" panose="020B0604030504040204"/>
-              </a:rPr>
-              <a:t>a</a:t>
-            </a:r>
-            <a:r>
-              <a:rPr sz="2400" spc="-55" dirty="0">
-                <a:solidFill>
-                  <a:srgbClr val="F05A28"/>
-                </a:solidFill>
-                <a:latin typeface="Verdana" panose="020B0604030504040204"/>
-                <a:cs typeface="Verdana" panose="020B0604030504040204"/>
-              </a:rPr>
-              <a:t>r</a:t>
+              <a:t>ar</a:t>
             </a:r>
             <a:r>
               <a:rPr sz="2400" spc="-245" dirty="0">
@@ -3305,9 +3342,11 @@
         <p:spPr/>
         <p:txBody>
           <a:bodyPr/>
+          <a:lstStyle/>
           <a:p>
             <a:fld id="{B6F15528-21DE-4FAA-801E-634DDDAF4B2B}" type="slidenum">
               <a:rPr/>
+              <a:t>11</a:t>
             </a:fld>
             <a:endParaRPr/>
           </a:p>
@@ -3345,7 +3384,7 @@
           <p:nvPr/>
         </p:nvPicPr>
         <p:blipFill>
-          <a:blip r:embed="rId1" cstate="print"/>
+          <a:blip r:embed="rId2" cstate="print"/>
           <a:stretch>
             <a:fillRect/>
           </a:stretch>
@@ -3439,9 +3478,11 @@
         <p:spPr/>
         <p:txBody>
           <a:bodyPr/>
+          <a:lstStyle/>
           <a:p>
             <a:fld id="{B6F15528-21DE-4FAA-801E-634DDDAF4B2B}" type="slidenum">
               <a:rPr/>
+              <a:t>12</a:t>
             </a:fld>
             <a:endParaRPr/>
           </a:p>
@@ -3466,6 +3507,7 @@
           <a:bodyPr vert="horz" wrap="square" lIns="0" tIns="12700" rIns="0" bIns="0" rtlCol="0">
             <a:spAutoFit/>
           </a:bodyPr>
+          <a:lstStyle/>
           <a:p>
             <a:pPr marL="12700" algn="ctr">
               <a:lnSpc>
@@ -3483,9 +3525,9 @@
                 <a:latin typeface="Verdana" panose="020B0604030504040204"/>
                 <a:cs typeface="Verdana" panose="020B0604030504040204"/>
               </a:rPr>
-              <a:t>Assisted Practice</a:t>
-            </a:r>
-            <a:endParaRPr lang="en-US" sz="3600">
+              <a:t>Demo</a:t>
+            </a:r>
+            <a:endParaRPr lang="en-US" sz="3600" dirty="0">
               <a:latin typeface="Verdana" panose="020B0604030504040204"/>
               <a:cs typeface="Verdana" panose="020B0604030504040204"/>
             </a:endParaRPr>
@@ -3524,7 +3566,7 @@
           <p:nvPr/>
         </p:nvPicPr>
         <p:blipFill>
-          <a:blip r:embed="rId1" cstate="print"/>
+          <a:blip r:embed="rId2" cstate="print"/>
           <a:stretch>
             <a:fillRect/>
           </a:stretch>
@@ -3574,11 +3616,7 @@
             </a:r>
             <a:r>
               <a:rPr spc="-60" dirty="0"/>
-              <a:t>c</a:t>
-            </a:r>
-            <a:r>
-              <a:rPr spc="-60" dirty="0"/>
-              <a:t>r</a:t>
+              <a:t>cr</a:t>
             </a:r>
             <a:r>
               <a:rPr spc="-155" dirty="0"/>
@@ -3616,7 +3654,6 @@
               <a:rPr spc="145" dirty="0"/>
               <a:t>g</a:t>
             </a:r>
-            <a:endParaRPr spc="145" dirty="0"/>
           </a:p>
         </p:txBody>
       </p:sp>
@@ -3633,9 +3670,11 @@
         <p:spPr/>
         <p:txBody>
           <a:bodyPr/>
+          <a:lstStyle/>
           <a:p>
             <a:fld id="{B6F15528-21DE-4FAA-801E-634DDDAF4B2B}" type="slidenum">
               <a:rPr/>
+              <a:t>13</a:t>
             </a:fld>
             <a:endParaRPr/>
           </a:p>
@@ -3963,9 +4002,11 @@
         <p:spPr/>
         <p:txBody>
           <a:bodyPr/>
+          <a:lstStyle/>
           <a:p>
             <a:fld id="{B6F15528-21DE-4FAA-801E-634DDDAF4B2B}" type="slidenum">
               <a:rPr/>
+              <a:t>14</a:t>
             </a:fld>
             <a:endParaRPr/>
           </a:p>
@@ -4525,17 +4566,7 @@
                 <a:latin typeface="Verdana" panose="020B0604030504040204"/>
                 <a:cs typeface="Verdana" panose="020B0604030504040204"/>
               </a:rPr>
-              <a:t>k</a:t>
-            </a:r>
-            <a:r>
-              <a:rPr sz="2200" spc="-75" dirty="0">
-                <a:solidFill>
-                  <a:srgbClr val="FFFFFF"/>
-                </a:solidFill>
-                <a:latin typeface="Verdana" panose="020B0604030504040204"/>
-                <a:cs typeface="Verdana" panose="020B0604030504040204"/>
-              </a:rPr>
-              <a:t>2</a:t>
+              <a:t>k2</a:t>
             </a:r>
             <a:r>
               <a:rPr sz="2200" spc="-100" dirty="0">
@@ -4968,17 +4999,7 @@
                 <a:latin typeface="Verdana" panose="020B0604030504040204"/>
                 <a:cs typeface="Verdana" panose="020B0604030504040204"/>
               </a:rPr>
-              <a:t>p</a:t>
-            </a:r>
-            <a:r>
-              <a:rPr sz="2200" spc="-60" dirty="0">
-                <a:solidFill>
-                  <a:srgbClr val="3E3E3E"/>
-                </a:solidFill>
-                <a:latin typeface="Verdana" panose="020B0604030504040204"/>
-                <a:cs typeface="Verdana" panose="020B0604030504040204"/>
-              </a:rPr>
-              <a:t>Se</a:t>
+              <a:t>pSe</a:t>
             </a:r>
             <a:r>
               <a:rPr sz="2200" spc="-35" dirty="0">
@@ -5457,17 +5478,7 @@
                 <a:latin typeface="Verdana" panose="020B0604030504040204"/>
                 <a:cs typeface="Verdana" panose="020B0604030504040204"/>
               </a:rPr>
-              <a:t>k</a:t>
-            </a:r>
-            <a:r>
-              <a:rPr sz="2200" spc="-75" dirty="0">
-                <a:solidFill>
-                  <a:srgbClr val="3E3E3E"/>
-                </a:solidFill>
-                <a:latin typeface="Verdana" panose="020B0604030504040204"/>
-                <a:cs typeface="Verdana" panose="020B0604030504040204"/>
-              </a:rPr>
-              <a:t>2</a:t>
+              <a:t>k2</a:t>
             </a:r>
             <a:r>
               <a:rPr sz="2200" spc="-110" dirty="0">
@@ -5809,7 +5820,9 @@
           <p:txBody>
             <a:bodyPr wrap="square" lIns="0" tIns="0" rIns="0" bIns="0" rtlCol="0"/>
             <a:lstStyle/>
-            <a:p/>
+            <a:p>
+              <a:endParaRPr/>
+            </a:p>
           </p:txBody>
         </p:sp>
         <p:sp>
@@ -5852,7 +5865,9 @@
           <p:txBody>
             <a:bodyPr wrap="square" lIns="0" tIns="0" rIns="0" bIns="0" rtlCol="0"/>
             <a:lstStyle/>
-            <a:p/>
+            <a:p>
+              <a:endParaRPr/>
+            </a:p>
           </p:txBody>
         </p:sp>
       </p:grpSp>
@@ -5869,9 +5884,11 @@
         <p:spPr/>
         <p:txBody>
           <a:bodyPr/>
+          <a:lstStyle/>
           <a:p>
             <a:fld id="{B6F15528-21DE-4FAA-801E-634DDDAF4B2B}" type="slidenum">
               <a:rPr/>
+              <a:t>15</a:t>
             </a:fld>
             <a:endParaRPr/>
           </a:p>
@@ -5990,11 +6007,7 @@
             </a:r>
             <a:r>
               <a:rPr spc="-295" dirty="0"/>
-              <a:t>!</a:t>
-            </a:r>
-            <a:r>
-              <a:rPr spc="-295" dirty="0"/>
-              <a:t>	</a:t>
+              <a:t>!	</a:t>
             </a:r>
             <a:r>
               <a:rPr spc="-30" dirty="0"/>
@@ -6164,7 +6177,6 @@
               <a:rPr spc="-365" dirty="0"/>
               <a:t>}</a:t>
             </a:r>
-            <a:endParaRPr spc="-365" dirty="0"/>
           </a:p>
           <a:p>
             <a:pPr marL="12700">
@@ -6179,7 +6191,6 @@
               <a:rPr spc="-525" dirty="0"/>
               <a:t>%&gt;</a:t>
             </a:r>
-            <a:endParaRPr spc="-525" dirty="0"/>
           </a:p>
           <a:p>
             <a:pPr marL="12700">
@@ -6194,7 +6205,6 @@
               <a:rPr spc="-525" dirty="0"/>
               <a:t>&lt;%</a:t>
             </a:r>
-            <a:endParaRPr spc="-525" dirty="0"/>
           </a:p>
           <a:p>
             <a:pPr marL="12700" marR="478155">
@@ -6285,7 +6295,6 @@
               <a:rPr spc="-480" dirty="0"/>
               <a:t>;</a:t>
             </a:r>
-            <a:endParaRPr spc="-480" dirty="0"/>
           </a:p>
           <a:p>
             <a:pPr marL="12700">
@@ -6300,7 +6309,6 @@
               <a:rPr spc="-525" dirty="0"/>
               <a:t>%&gt;</a:t>
             </a:r>
-            <a:endParaRPr spc="-525" dirty="0"/>
           </a:p>
         </p:txBody>
       </p:sp>
@@ -6714,17 +6722,7 @@
                 <a:latin typeface="Verdana" panose="020B0604030504040204"/>
                 <a:cs typeface="Verdana" panose="020B0604030504040204"/>
               </a:rPr>
-              <a:t>u</a:t>
-            </a:r>
-            <a:r>
-              <a:rPr sz="2400" spc="-50" dirty="0">
-                <a:solidFill>
-                  <a:srgbClr val="3E3E3E"/>
-                </a:solidFill>
-                <a:latin typeface="Verdana" panose="020B0604030504040204"/>
-                <a:cs typeface="Verdana" panose="020B0604030504040204"/>
-              </a:rPr>
-              <a:t>rn</a:t>
+              <a:t>urn</a:t>
             </a:r>
             <a:r>
               <a:rPr sz="2400" spc="-114" dirty="0">
@@ -7429,9 +7427,11 @@
         <p:spPr/>
         <p:txBody>
           <a:bodyPr/>
+          <a:lstStyle/>
           <a:p>
             <a:fld id="{B6F15528-21DE-4FAA-801E-634DDDAF4B2B}" type="slidenum">
               <a:rPr/>
+              <a:t>16</a:t>
             </a:fld>
             <a:endParaRPr/>
           </a:p>
@@ -7469,7 +7469,7 @@
           <p:nvPr/>
         </p:nvPicPr>
         <p:blipFill>
-          <a:blip r:embed="rId1" cstate="print"/>
+          <a:blip r:embed="rId2" cstate="print"/>
           <a:stretch>
             <a:fillRect/>
           </a:stretch>
@@ -7563,9 +7563,11 @@
         <p:spPr/>
         <p:txBody>
           <a:bodyPr/>
+          <a:lstStyle/>
           <a:p>
             <a:fld id="{B6F15528-21DE-4FAA-801E-634DDDAF4B2B}" type="slidenum">
               <a:rPr/>
+              <a:t>17</a:t>
             </a:fld>
             <a:endParaRPr/>
           </a:p>
@@ -7608,9 +7610,9 @@
                 <a:latin typeface="Verdana" panose="020B0604030504040204"/>
                 <a:cs typeface="Verdana" panose="020B0604030504040204"/>
               </a:rPr>
-              <a:t>Assisted Practice</a:t>
-            </a:r>
-            <a:endParaRPr lang="en-US" sz="3600">
+              <a:t>Demo</a:t>
+            </a:r>
+            <a:endParaRPr lang="en-US" sz="3600" dirty="0">
               <a:latin typeface="Verdana" panose="020B0604030504040204"/>
               <a:cs typeface="Verdana" panose="020B0604030504040204"/>
             </a:endParaRPr>
@@ -7649,7 +7651,7 @@
           <p:nvPr/>
         </p:nvPicPr>
         <p:blipFill>
-          <a:blip r:embed="rId1" cstate="print"/>
+          <a:blip r:embed="rId2" cstate="print"/>
           <a:stretch>
             <a:fillRect/>
           </a:stretch>
@@ -7954,11 +7956,6 @@
               </a:rPr>
               <a:t>y</a:t>
             </a:r>
-            <a:endParaRPr spc="-15" dirty="0">
-              <a:solidFill>
-                <a:srgbClr val="FFFFFF"/>
-              </a:solidFill>
-            </a:endParaRPr>
           </a:p>
         </p:txBody>
       </p:sp>
@@ -7975,9 +7972,11 @@
         <p:spPr/>
         <p:txBody>
           <a:bodyPr/>
+          <a:lstStyle/>
           <a:p>
             <a:fld id="{B6F15528-21DE-4FAA-801E-634DDDAF4B2B}" type="slidenum">
               <a:rPr/>
+              <a:t>18</a:t>
             </a:fld>
             <a:endParaRPr/>
           </a:p>
@@ -8015,7 +8014,7 @@
           <p:nvPr/>
         </p:nvPicPr>
         <p:blipFill>
-          <a:blip r:embed="rId1" cstate="print"/>
+          <a:blip r:embed="rId2" cstate="print"/>
           <a:stretch>
             <a:fillRect/>
           </a:stretch>
@@ -8352,11 +8351,6 @@
               </a:rPr>
               <a:t>w</a:t>
             </a:r>
-            <a:endParaRPr spc="150" dirty="0">
-              <a:solidFill>
-                <a:srgbClr val="FFFFFF"/>
-              </a:solidFill>
-            </a:endParaRPr>
           </a:p>
         </p:txBody>
       </p:sp>
@@ -8373,9 +8367,11 @@
         <p:spPr/>
         <p:txBody>
           <a:bodyPr/>
+          <a:lstStyle/>
           <a:p>
             <a:fld id="{B6F15528-21DE-4FAA-801E-634DDDAF4B2B}" type="slidenum">
               <a:rPr/>
+              <a:t>2</a:t>
             </a:fld>
             <a:endParaRPr/>
           </a:p>
@@ -8413,7 +8409,7 @@
           <p:nvPr/>
         </p:nvPicPr>
         <p:blipFill>
-          <a:blip r:embed="rId1" cstate="print"/>
+          <a:blip r:embed="rId2" cstate="print"/>
           <a:stretch>
             <a:fillRect/>
           </a:stretch>
@@ -8723,9 +8719,11 @@
         <p:spPr/>
         <p:txBody>
           <a:bodyPr/>
+          <a:lstStyle/>
           <a:p>
             <a:fld id="{B6F15528-21DE-4FAA-801E-634DDDAF4B2B}" type="slidenum">
               <a:rPr/>
+              <a:t>3</a:t>
             </a:fld>
             <a:endParaRPr/>
           </a:p>
@@ -8763,7 +8761,7 @@
           <p:nvPr/>
         </p:nvPicPr>
         <p:blipFill>
-          <a:blip r:embed="rId1" cstate="print"/>
+          <a:blip r:embed="rId2" cstate="print"/>
           <a:stretch>
             <a:fillRect/>
           </a:stretch>
@@ -8889,37 +8887,24 @@
                   <a:srgbClr val="101010"/>
                 </a:solidFill>
               </a:rPr>
-              <a:t> </a:t>
-            </a:r>
-            <a:r>
-              <a:rPr spc="-459" dirty="0">
+              <a:t> T</a:t>
+            </a:r>
+            <a:r>
+              <a:rPr spc="-185" dirty="0">
                 <a:solidFill>
                   <a:srgbClr val="101010"/>
                 </a:solidFill>
               </a:rPr>
-              <a:t>T</a:t>
-            </a:r>
-            <a:r>
-              <a:rPr spc="-185" dirty="0">
+              <a:t>a</a:t>
+            </a:r>
+            <a:r>
+              <a:rPr spc="145" dirty="0">
                 <a:solidFill>
                   <a:srgbClr val="101010"/>
                 </a:solidFill>
               </a:rPr>
-              <a:t>a</a:t>
-            </a:r>
-            <a:r>
-              <a:rPr spc="145" dirty="0">
-                <a:solidFill>
-                  <a:srgbClr val="101010"/>
-                </a:solidFill>
-              </a:rPr>
               <a:t>g</a:t>
             </a:r>
-            <a:endParaRPr spc="145" dirty="0">
-              <a:solidFill>
-                <a:srgbClr val="101010"/>
-              </a:solidFill>
-            </a:endParaRPr>
           </a:p>
         </p:txBody>
       </p:sp>
@@ -8936,9 +8921,11 @@
         <p:spPr/>
         <p:txBody>
           <a:bodyPr/>
+          <a:lstStyle/>
           <a:p>
             <a:fld id="{B6F15528-21DE-4FAA-801E-634DDDAF4B2B}" type="slidenum">
               <a:rPr/>
+              <a:t>4</a:t>
             </a:fld>
             <a:endParaRPr/>
           </a:p>
@@ -9434,9 +9421,11 @@
         <p:spPr/>
         <p:txBody>
           <a:bodyPr/>
+          <a:lstStyle/>
           <a:p>
             <a:fld id="{B6F15528-21DE-4FAA-801E-634DDDAF4B2B}" type="slidenum">
               <a:rPr/>
+              <a:t>5</a:t>
             </a:fld>
             <a:endParaRPr/>
           </a:p>
@@ -9594,10 +9583,40 @@
                 <a:latin typeface="Verdana" panose="020B0604030504040204"/>
                 <a:cs typeface="Verdana" panose="020B0604030504040204"/>
               </a:rPr>
-              <a:t>n</a:t>
-            </a:r>
-            <a:r>
-              <a:rPr sz="2400" spc="20" dirty="0">
+              <a:t>nt</a:t>
+            </a:r>
+            <a:r>
+              <a:rPr sz="2400" spc="-15" dirty="0">
+                <a:solidFill>
+                  <a:srgbClr val="3E3E3E"/>
+                </a:solidFill>
+                <a:latin typeface="Verdana" panose="020B0604030504040204"/>
+                <a:cs typeface="Verdana" panose="020B0604030504040204"/>
+              </a:rPr>
+              <a:t> </a:t>
+            </a:r>
+            <a:r>
+              <a:rPr sz="2400" spc="80" dirty="0">
+                <a:solidFill>
+                  <a:srgbClr val="3E3E3E"/>
+                </a:solidFill>
+                <a:latin typeface="Verdana" panose="020B0604030504040204"/>
+                <a:cs typeface="Verdana" panose="020B0604030504040204"/>
+              </a:rPr>
+              <a:t>d</a:t>
+            </a:r>
+            <a:r>
+              <a:rPr sz="2400" spc="70" dirty="0">
+                <a:solidFill>
+                  <a:srgbClr val="3E3E3E"/>
+                </a:solidFill>
+                <a:latin typeface="Verdana" panose="020B0604030504040204"/>
+                <a:cs typeface="Verdana" panose="020B0604030504040204"/>
+              </a:rPr>
+              <a:t>a</a:t>
+            </a:r>
+            <a:r>
+              <a:rPr sz="2400" spc="45" dirty="0">
                 <a:solidFill>
                   <a:srgbClr val="3E3E3E"/>
                 </a:solidFill>
@@ -9607,46 +9626,6 @@
               <a:t>t</a:t>
             </a:r>
             <a:r>
-              <a:rPr sz="2400" spc="-15" dirty="0">
-                <a:solidFill>
-                  <a:srgbClr val="3E3E3E"/>
-                </a:solidFill>
-                <a:latin typeface="Verdana" panose="020B0604030504040204"/>
-                <a:cs typeface="Verdana" panose="020B0604030504040204"/>
-              </a:rPr>
-              <a:t> </a:t>
-            </a:r>
-            <a:r>
-              <a:rPr sz="2400" spc="80" dirty="0">
-                <a:solidFill>
-                  <a:srgbClr val="3E3E3E"/>
-                </a:solidFill>
-                <a:latin typeface="Verdana" panose="020B0604030504040204"/>
-                <a:cs typeface="Verdana" panose="020B0604030504040204"/>
-              </a:rPr>
-              <a:t>d</a:t>
-            </a:r>
-            <a:r>
-              <a:rPr sz="2400" spc="70" dirty="0">
-                <a:solidFill>
-                  <a:srgbClr val="3E3E3E"/>
-                </a:solidFill>
-                <a:latin typeface="Verdana" panose="020B0604030504040204"/>
-                <a:cs typeface="Verdana" panose="020B0604030504040204"/>
-              </a:rPr>
-              <a:t>a</a:t>
-            </a:r>
-            <a:r>
-              <a:rPr sz="2400" spc="45" dirty="0">
-                <a:solidFill>
-                  <a:srgbClr val="3E3E3E"/>
-                </a:solidFill>
-                <a:latin typeface="Verdana" panose="020B0604030504040204"/>
-                <a:cs typeface="Verdana" panose="020B0604030504040204"/>
-              </a:rPr>
-              <a:t>t</a:t>
-            </a:r>
-            <a:r>
               <a:rPr sz="2400" spc="-10" dirty="0">
                 <a:solidFill>
                   <a:srgbClr val="3E3E3E"/>
@@ -9674,17 +9653,7 @@
                 <a:latin typeface="Verdana" panose="020B0604030504040204"/>
                 <a:cs typeface="Verdana" panose="020B0604030504040204"/>
               </a:rPr>
-              <a:t>a</a:t>
-            </a:r>
-            <a:r>
-              <a:rPr sz="2400" spc="15" dirty="0">
-                <a:solidFill>
-                  <a:srgbClr val="3E3E3E"/>
-                </a:solidFill>
-                <a:latin typeface="Verdana" panose="020B0604030504040204"/>
-                <a:cs typeface="Verdana" panose="020B0604030504040204"/>
-              </a:rPr>
-              <a:t>n</a:t>
+              <a:t>an</a:t>
             </a:r>
             <a:r>
               <a:rPr sz="2400" spc="95" dirty="0">
@@ -9892,9 +9861,11 @@
         <p:spPr/>
         <p:txBody>
           <a:bodyPr/>
+          <a:lstStyle/>
           <a:p>
             <a:fld id="{B6F15528-21DE-4FAA-801E-634DDDAF4B2B}" type="slidenum">
               <a:rPr/>
+              <a:t>6</a:t>
             </a:fld>
             <a:endParaRPr/>
           </a:p>
@@ -10052,10 +10023,40 @@
                 <a:latin typeface="Verdana" panose="020B0604030504040204"/>
                 <a:cs typeface="Verdana" panose="020B0604030504040204"/>
               </a:rPr>
-              <a:t>n</a:t>
-            </a:r>
-            <a:r>
-              <a:rPr sz="2400" spc="20" dirty="0">
+              <a:t>nt</a:t>
+            </a:r>
+            <a:r>
+              <a:rPr sz="2400" spc="-15" dirty="0">
+                <a:solidFill>
+                  <a:srgbClr val="3E3E3E"/>
+                </a:solidFill>
+                <a:latin typeface="Verdana" panose="020B0604030504040204"/>
+                <a:cs typeface="Verdana" panose="020B0604030504040204"/>
+              </a:rPr>
+              <a:t> </a:t>
+            </a:r>
+            <a:r>
+              <a:rPr sz="2400" spc="80" dirty="0">
+                <a:solidFill>
+                  <a:srgbClr val="3E3E3E"/>
+                </a:solidFill>
+                <a:latin typeface="Verdana" panose="020B0604030504040204"/>
+                <a:cs typeface="Verdana" panose="020B0604030504040204"/>
+              </a:rPr>
+              <a:t>d</a:t>
+            </a:r>
+            <a:r>
+              <a:rPr sz="2400" spc="70" dirty="0">
+                <a:solidFill>
+                  <a:srgbClr val="3E3E3E"/>
+                </a:solidFill>
+                <a:latin typeface="Verdana" panose="020B0604030504040204"/>
+                <a:cs typeface="Verdana" panose="020B0604030504040204"/>
+              </a:rPr>
+              <a:t>a</a:t>
+            </a:r>
+            <a:r>
+              <a:rPr sz="2400" spc="45" dirty="0">
                 <a:solidFill>
                   <a:srgbClr val="3E3E3E"/>
                 </a:solidFill>
@@ -10065,46 +10066,6 @@
               <a:t>t</a:t>
             </a:r>
             <a:r>
-              <a:rPr sz="2400" spc="-15" dirty="0">
-                <a:solidFill>
-                  <a:srgbClr val="3E3E3E"/>
-                </a:solidFill>
-                <a:latin typeface="Verdana" panose="020B0604030504040204"/>
-                <a:cs typeface="Verdana" panose="020B0604030504040204"/>
-              </a:rPr>
-              <a:t> </a:t>
-            </a:r>
-            <a:r>
-              <a:rPr sz="2400" spc="80" dirty="0">
-                <a:solidFill>
-                  <a:srgbClr val="3E3E3E"/>
-                </a:solidFill>
-                <a:latin typeface="Verdana" panose="020B0604030504040204"/>
-                <a:cs typeface="Verdana" panose="020B0604030504040204"/>
-              </a:rPr>
-              <a:t>d</a:t>
-            </a:r>
-            <a:r>
-              <a:rPr sz="2400" spc="70" dirty="0">
-                <a:solidFill>
-                  <a:srgbClr val="3E3E3E"/>
-                </a:solidFill>
-                <a:latin typeface="Verdana" panose="020B0604030504040204"/>
-                <a:cs typeface="Verdana" panose="020B0604030504040204"/>
-              </a:rPr>
-              <a:t>a</a:t>
-            </a:r>
-            <a:r>
-              <a:rPr sz="2400" spc="45" dirty="0">
-                <a:solidFill>
-                  <a:srgbClr val="3E3E3E"/>
-                </a:solidFill>
-                <a:latin typeface="Verdana" panose="020B0604030504040204"/>
-                <a:cs typeface="Verdana" panose="020B0604030504040204"/>
-              </a:rPr>
-              <a:t>t</a:t>
-            </a:r>
-            <a:r>
               <a:rPr sz="2400" spc="-10" dirty="0">
                 <a:solidFill>
                   <a:srgbClr val="3E3E3E"/>
@@ -10132,17 +10093,7 @@
                 <a:latin typeface="Verdana" panose="020B0604030504040204"/>
                 <a:cs typeface="Verdana" panose="020B0604030504040204"/>
               </a:rPr>
-              <a:t>a</a:t>
-            </a:r>
-            <a:r>
-              <a:rPr sz="2400" spc="15" dirty="0">
-                <a:solidFill>
-                  <a:srgbClr val="3E3E3E"/>
-                </a:solidFill>
-                <a:latin typeface="Verdana" panose="020B0604030504040204"/>
-                <a:cs typeface="Verdana" panose="020B0604030504040204"/>
-              </a:rPr>
-              <a:t>n</a:t>
+              <a:t>an</a:t>
             </a:r>
             <a:r>
               <a:rPr sz="2400" spc="95" dirty="0">
@@ -10344,7 +10295,7 @@
           <p:nvPr/>
         </p:nvPicPr>
         <p:blipFill>
-          <a:blip r:embed="rId1" cstate="print"/>
+          <a:blip r:embed="rId2" cstate="print"/>
           <a:stretch>
             <a:fillRect/>
           </a:stretch>
@@ -10372,9 +10323,11 @@
         <p:spPr/>
         <p:txBody>
           <a:bodyPr/>
+          <a:lstStyle/>
           <a:p>
             <a:fld id="{B6F15528-21DE-4FAA-801E-634DDDAF4B2B}" type="slidenum">
               <a:rPr/>
+              <a:t>7</a:t>
             </a:fld>
             <a:endParaRPr/>
           </a:p>
@@ -10532,10 +10485,40 @@
                 <a:latin typeface="Verdana" panose="020B0604030504040204"/>
                 <a:cs typeface="Verdana" panose="020B0604030504040204"/>
               </a:rPr>
-              <a:t>n</a:t>
-            </a:r>
-            <a:r>
-              <a:rPr sz="2400" spc="20" dirty="0">
+              <a:t>nt</a:t>
+            </a:r>
+            <a:r>
+              <a:rPr sz="2400" spc="-15" dirty="0">
+                <a:solidFill>
+                  <a:srgbClr val="3E3E3E"/>
+                </a:solidFill>
+                <a:latin typeface="Verdana" panose="020B0604030504040204"/>
+                <a:cs typeface="Verdana" panose="020B0604030504040204"/>
+              </a:rPr>
+              <a:t> </a:t>
+            </a:r>
+            <a:r>
+              <a:rPr sz="2400" spc="80" dirty="0">
+                <a:solidFill>
+                  <a:srgbClr val="3E3E3E"/>
+                </a:solidFill>
+                <a:latin typeface="Verdana" panose="020B0604030504040204"/>
+                <a:cs typeface="Verdana" panose="020B0604030504040204"/>
+              </a:rPr>
+              <a:t>d</a:t>
+            </a:r>
+            <a:r>
+              <a:rPr sz="2400" spc="70" dirty="0">
+                <a:solidFill>
+                  <a:srgbClr val="3E3E3E"/>
+                </a:solidFill>
+                <a:latin typeface="Verdana" panose="020B0604030504040204"/>
+                <a:cs typeface="Verdana" panose="020B0604030504040204"/>
+              </a:rPr>
+              <a:t>a</a:t>
+            </a:r>
+            <a:r>
+              <a:rPr sz="2400" spc="45" dirty="0">
                 <a:solidFill>
                   <a:srgbClr val="3E3E3E"/>
                 </a:solidFill>
@@ -10545,46 +10528,6 @@
               <a:t>t</a:t>
             </a:r>
             <a:r>
-              <a:rPr sz="2400" spc="-15" dirty="0">
-                <a:solidFill>
-                  <a:srgbClr val="3E3E3E"/>
-                </a:solidFill>
-                <a:latin typeface="Verdana" panose="020B0604030504040204"/>
-                <a:cs typeface="Verdana" panose="020B0604030504040204"/>
-              </a:rPr>
-              <a:t> </a:t>
-            </a:r>
-            <a:r>
-              <a:rPr sz="2400" spc="80" dirty="0">
-                <a:solidFill>
-                  <a:srgbClr val="3E3E3E"/>
-                </a:solidFill>
-                <a:latin typeface="Verdana" panose="020B0604030504040204"/>
-                <a:cs typeface="Verdana" panose="020B0604030504040204"/>
-              </a:rPr>
-              <a:t>d</a:t>
-            </a:r>
-            <a:r>
-              <a:rPr sz="2400" spc="70" dirty="0">
-                <a:solidFill>
-                  <a:srgbClr val="3E3E3E"/>
-                </a:solidFill>
-                <a:latin typeface="Verdana" panose="020B0604030504040204"/>
-                <a:cs typeface="Verdana" panose="020B0604030504040204"/>
-              </a:rPr>
-              <a:t>a</a:t>
-            </a:r>
-            <a:r>
-              <a:rPr sz="2400" spc="45" dirty="0">
-                <a:solidFill>
-                  <a:srgbClr val="3E3E3E"/>
-                </a:solidFill>
-                <a:latin typeface="Verdana" panose="020B0604030504040204"/>
-                <a:cs typeface="Verdana" panose="020B0604030504040204"/>
-              </a:rPr>
-              <a:t>t</a:t>
-            </a:r>
-            <a:r>
               <a:rPr sz="2400" spc="-10" dirty="0">
                 <a:solidFill>
                   <a:srgbClr val="3E3E3E"/>
@@ -10612,17 +10555,7 @@
                 <a:latin typeface="Verdana" panose="020B0604030504040204"/>
                 <a:cs typeface="Verdana" panose="020B0604030504040204"/>
               </a:rPr>
-              <a:t>a</a:t>
-            </a:r>
-            <a:r>
-              <a:rPr sz="2400" spc="15" dirty="0">
-                <a:solidFill>
-                  <a:srgbClr val="3E3E3E"/>
-                </a:solidFill>
-                <a:latin typeface="Verdana" panose="020B0604030504040204"/>
-                <a:cs typeface="Verdana" panose="020B0604030504040204"/>
-              </a:rPr>
-              <a:t>n</a:t>
+              <a:t>an</a:t>
             </a:r>
             <a:r>
               <a:rPr sz="2400" spc="95" dirty="0">
@@ -10844,7 +10777,7 @@
           <p:nvPr/>
         </p:nvPicPr>
         <p:blipFill>
-          <a:blip r:embed="rId1" cstate="print"/>
+          <a:blip r:embed="rId2" cstate="print"/>
           <a:stretch>
             <a:fillRect/>
           </a:stretch>
@@ -10872,9 +10805,11 @@
         <p:spPr/>
         <p:txBody>
           <a:bodyPr/>
+          <a:lstStyle/>
           <a:p>
             <a:fld id="{B6F15528-21DE-4FAA-801E-634DDDAF4B2B}" type="slidenum">
               <a:rPr/>
+              <a:t>8</a:t>
             </a:fld>
             <a:endParaRPr/>
           </a:p>
@@ -10912,7 +10847,7 @@
           <p:nvPr/>
         </p:nvPicPr>
         <p:blipFill>
-          <a:blip r:embed="rId1" cstate="print"/>
+          <a:blip r:embed="rId2" cstate="print"/>
           <a:stretch>
             <a:fillRect/>
           </a:stretch>
@@ -10964,9 +10899,9 @@
                 <a:latin typeface="Verdana" panose="020B0604030504040204"/>
                 <a:cs typeface="Verdana" panose="020B0604030504040204"/>
               </a:rPr>
-              <a:t>Assisted Practice</a:t>
-            </a:r>
-            <a:endParaRPr lang="en-US" sz="3600">
+              <a:t>Demo</a:t>
+            </a:r>
+            <a:endParaRPr lang="en-US" sz="3600" dirty="0">
               <a:latin typeface="Verdana" panose="020B0604030504040204"/>
               <a:cs typeface="Verdana" panose="020B0604030504040204"/>
             </a:endParaRPr>
@@ -11052,9 +10987,11 @@
         <p:spPr/>
         <p:txBody>
           <a:bodyPr/>
+          <a:lstStyle/>
           <a:p>
             <a:fld id="{B6F15528-21DE-4FAA-801E-634DDDAF4B2B}" type="slidenum">
               <a:rPr/>
+              <a:t>9</a:t>
             </a:fld>
             <a:endParaRPr/>
           </a:p>
@@ -11346,6 +11283,8 @@
       </a:bgFillStyleLst>
     </a:fmtScheme>
   </a:themeElements>
+  <a:objectDefaults/>
+  <a:extraClrSchemeLst/>
   <a:extLst>
     <a:ext uri="{05A4C25C-085E-4340-85A3-A5531E510DB2}">
       <thm15:themeFamily xmlns:thm15="http://schemas.microsoft.com/office/thememl/2012/main" name="Office Theme" id="{62F939B6-93AF-4DB8-9C6B-D6C7DFDC589F}" vid="{4A3C46E8-61CC-4603-A589-7422A47A8E4A}"/>
@@ -11605,6 +11544,8 @@
       </a:bgFillStyleLst>
     </a:fmtScheme>
   </a:themeElements>
+  <a:objectDefaults/>
+  <a:extraClrSchemeLst/>
   <a:extLst>
     <a:ext uri="{05A4C25C-085E-4340-85A3-A5531E510DB2}">
       <thm15:themeFamily xmlns:thm15="http://schemas.microsoft.com/office/thememl/2012/main" name="Office Theme" id="{62F939B6-93AF-4DB8-9C6B-D6C7DFDC589F}" vid="{4A3C46E8-61CC-4603-A589-7422A47A8E4A}"/>
